--- a/assets/AI_Research _Agent_by_Disha_Satpute.pptx
+++ b/assets/AI_Research _Agent_by_Disha_Satpute.pptx
@@ -135,27 +135,66 @@
 </p:presentation>
 </file>
 
+<file path=ppt/revisionInfo.xml><?xml version="1.0" encoding="utf-8"?>
+<p1510:revInfo xmlns:a="http://schemas.openxmlformats.org/drawingml/2006/main" xmlns:r="http://schemas.openxmlformats.org/officeDocument/2006/relationships" xmlns:p1510="http://schemas.microsoft.com/office/powerpoint/2015/10/main">
+  <p1510:revLst>
+    <p1510:client id="{84813989-EDC9-4D1C-8F1D-084391ED7B06}" v="3" dt="2025-08-05T04:32:37.244"/>
+  </p1510:revLst>
+</p1510:revInfo>
+</file>
+
 <file path=ppt/changesInfos/changesInfo1.xml><?xml version="1.0" encoding="utf-8"?>
 <pc:chgInfo xmlns:a="http://schemas.openxmlformats.org/drawingml/2006/main" xmlns:r="http://schemas.openxmlformats.org/officeDocument/2006/relationships" xmlns:ac="http://schemas.microsoft.com/office/drawing/2013/main/command" xmlns:pc="http://schemas.microsoft.com/office/powerpoint/2013/main/command">
   <pc:docChgLst>
     <pc:chgData name="Disha Satpute" userId="d1dc77d81ce34d2c" providerId="LiveId" clId="{84813989-EDC9-4D1C-8F1D-084391ED7B06}"/>
-    <pc:docChg chg="modSld">
-      <pc:chgData name="Disha Satpute" userId="d1dc77d81ce34d2c" providerId="LiveId" clId="{84813989-EDC9-4D1C-8F1D-084391ED7B06}" dt="2025-08-04T16:15:33.396" v="4" actId="20577"/>
+    <pc:docChg chg="undo custSel modSld">
+      <pc:chgData name="Disha Satpute" userId="d1dc77d81ce34d2c" providerId="LiveId" clId="{84813989-EDC9-4D1C-8F1D-084391ED7B06}" dt="2025-08-05T04:32:37.243" v="56"/>
       <pc:docMkLst>
         <pc:docMk/>
       </pc:docMkLst>
       <pc:sldChg chg="modSp mod">
-        <pc:chgData name="Disha Satpute" userId="d1dc77d81ce34d2c" providerId="LiveId" clId="{84813989-EDC9-4D1C-8F1D-084391ED7B06}" dt="2025-08-04T16:15:33.396" v="4" actId="20577"/>
+        <pc:chgData name="Disha Satpute" userId="d1dc77d81ce34d2c" providerId="LiveId" clId="{84813989-EDC9-4D1C-8F1D-084391ED7B06}" dt="2025-08-04T16:50:29.100" v="10" actId="20577"/>
         <pc:sldMkLst>
           <pc:docMk/>
           <pc:sldMk cId="953325580" sldId="256"/>
         </pc:sldMkLst>
         <pc:spChg chg="mod">
-          <ac:chgData name="Disha Satpute" userId="d1dc77d81ce34d2c" providerId="LiveId" clId="{84813989-EDC9-4D1C-8F1D-084391ED7B06}" dt="2025-08-04T16:15:33.396" v="4" actId="20577"/>
+          <ac:chgData name="Disha Satpute" userId="d1dc77d81ce34d2c" providerId="LiveId" clId="{84813989-EDC9-4D1C-8F1D-084391ED7B06}" dt="2025-08-04T16:50:29.100" v="10" actId="20577"/>
           <ac:spMkLst>
             <pc:docMk/>
             <pc:sldMk cId="953325580" sldId="256"/>
             <ac:spMk id="3" creationId="{00000000-0000-0000-0000-000000000000}"/>
+          </ac:spMkLst>
+        </pc:spChg>
+      </pc:sldChg>
+      <pc:sldChg chg="addSp modSp mod">
+        <pc:chgData name="Disha Satpute" userId="d1dc77d81ce34d2c" providerId="LiveId" clId="{84813989-EDC9-4D1C-8F1D-084391ED7B06}" dt="2025-08-05T04:32:37.243" v="56"/>
+        <pc:sldMkLst>
+          <pc:docMk/>
+          <pc:sldMk cId="2230664768" sldId="2146847061"/>
+        </pc:sldMkLst>
+        <pc:spChg chg="mod">
+          <ac:chgData name="Disha Satpute" userId="d1dc77d81ce34d2c" providerId="LiveId" clId="{84813989-EDC9-4D1C-8F1D-084391ED7B06}" dt="2025-08-05T04:14:55.771" v="12" actId="1076"/>
+          <ac:spMkLst>
+            <pc:docMk/>
+            <pc:sldMk cId="2230664768" sldId="2146847061"/>
+            <ac:spMk id="3" creationId="{51A299DD-46FA-7866-41D8-C1BFCC2F69DD}"/>
+          </ac:spMkLst>
+        </pc:spChg>
+        <pc:spChg chg="add mod">
+          <ac:chgData name="Disha Satpute" userId="d1dc77d81ce34d2c" providerId="LiveId" clId="{84813989-EDC9-4D1C-8F1D-084391ED7B06}" dt="2025-08-05T04:20:20.522" v="55" actId="1076"/>
+          <ac:spMkLst>
+            <pc:docMk/>
+            <pc:sldMk cId="2230664768" sldId="2146847061"/>
+            <ac:spMk id="5" creationId="{2E3C93A5-E341-4455-8D07-E15A41796AEC}"/>
+          </ac:spMkLst>
+        </pc:spChg>
+        <pc:spChg chg="add mod">
+          <ac:chgData name="Disha Satpute" userId="d1dc77d81ce34d2c" providerId="LiveId" clId="{84813989-EDC9-4D1C-8F1D-084391ED7B06}" dt="2025-08-05T04:32:37.243" v="56"/>
+          <ac:spMkLst>
+            <pc:docMk/>
+            <pc:sldMk cId="2230664768" sldId="2146847061"/>
+            <ac:spMk id="7" creationId="{042D9B54-82E9-1834-0303-9080F31FF495}"/>
           </ac:spMkLst>
         </pc:spChg>
       </pc:sldChg>
@@ -246,7 +285,7 @@
           <a:p>
             <a:fld id="{46256A78-79A6-408F-8148-4F87BB81602D}" type="datetimeFigureOut">
               <a:rPr lang="en-IN" smtClean="0"/>
-              <a:t>04-08-2025</a:t>
+              <a:t>05-08-2025</a:t>
             </a:fld>
             <a:endParaRPr lang="en-IN"/>
           </a:p>
@@ -750,7 +789,7 @@
           <a:p>
             <a:fld id="{ED291B17-9318-49DB-B28B-6E5994AE9581}" type="datetime1">
               <a:rPr lang="en-US" smtClean="0"/>
-              <a:t>8/4/2025</a:t>
+              <a:t>8/5/2025</a:t>
             </a:fld>
             <a:endParaRPr lang="en-US"/>
           </a:p>
@@ -959,7 +998,7 @@
           <a:p>
             <a:fld id="{2CED4963-E985-44C4-B8C4-FDD613B7C2F8}" type="datetime1">
               <a:rPr lang="en-US" smtClean="0"/>
-              <a:t>8/4/2025</a:t>
+              <a:t>8/5/2025</a:t>
             </a:fld>
             <a:endParaRPr lang="en-US"/>
           </a:p>
@@ -1327,7 +1366,7 @@
           <a:p>
             <a:fld id="{ED291B17-9318-49DB-B28B-6E5994AE9581}" type="datetime1">
               <a:rPr lang="en-US" smtClean="0"/>
-              <a:t>8/4/2025</a:t>
+              <a:t>8/5/2025</a:t>
             </a:fld>
             <a:endParaRPr lang="en-US"/>
           </a:p>
@@ -1531,7 +1570,7 @@
           <a:p>
             <a:fld id="{78DD82B9-B8EE-4375-B6FF-88FA6ABB15D9}" type="datetime1">
               <a:rPr lang="en-US" smtClean="0"/>
-              <a:t>8/4/2025</a:t>
+              <a:t>8/5/2025</a:t>
             </a:fld>
             <a:endParaRPr lang="en-US"/>
           </a:p>
@@ -1788,7 +1827,7 @@
           <a:p>
             <a:fld id="{B2497495-0637-405E-AE64-5CC7506D51F5}" type="datetime1">
               <a:rPr lang="en-US" smtClean="0"/>
-              <a:t>8/4/2025</a:t>
+              <a:t>8/5/2025</a:t>
             </a:fld>
             <a:endParaRPr lang="en-US"/>
           </a:p>
@@ -2046,7 +2085,7 @@
           <a:p>
             <a:fld id="{7BFFD690-9426-415D-8B65-26881E07B2D4}" type="datetime1">
               <a:rPr lang="en-US" smtClean="0"/>
-              <a:t>8/4/2025</a:t>
+              <a:t>8/5/2025</a:t>
             </a:fld>
             <a:endParaRPr lang="en-US"/>
           </a:p>
@@ -2473,7 +2512,7 @@
           <a:p>
             <a:fld id="{04C4989A-474C-40DE-95B9-011C28B71673}" type="datetime1">
               <a:rPr lang="en-US" smtClean="0"/>
-              <a:t>8/4/2025</a:t>
+              <a:t>8/5/2025</a:t>
             </a:fld>
             <a:endParaRPr lang="en-US"/>
           </a:p>
@@ -2603,7 +2642,7 @@
           <a:p>
             <a:fld id="{5DB4ED54-5B5E-4A04-93D3-5772E3CE3818}" type="datetime1">
               <a:rPr lang="en-US" smtClean="0"/>
-              <a:t>8/4/2025</a:t>
+              <a:t>8/5/2025</a:t>
             </a:fld>
             <a:endParaRPr lang="en-US"/>
           </a:p>
@@ -2706,7 +2745,7 @@
           <a:p>
             <a:fld id="{4EDE50D6-574B-40AF-946F-D52A04ADE379}" type="datetime1">
               <a:rPr lang="en-US" smtClean="0"/>
-              <a:t>8/4/2025</a:t>
+              <a:t>8/5/2025</a:t>
             </a:fld>
             <a:endParaRPr lang="en-US"/>
           </a:p>
@@ -3089,7 +3128,7 @@
           <a:p>
             <a:fld id="{D82884F1-FFEA-405F-9602-3DCA865EDA4E}" type="datetime1">
               <a:rPr lang="en-US" smtClean="0"/>
-              <a:t>8/4/2025</a:t>
+              <a:t>8/5/2025</a:t>
             </a:fld>
             <a:endParaRPr lang="en-US"/>
           </a:p>
@@ -3383,7 +3422,7 @@
           <a:p>
             <a:fld id="{7E18DB4A-8810-4A10-AD5C-D5E2C667F5B3}" type="datetime1">
               <a:rPr lang="en-US" smtClean="0"/>
-              <a:t>8/4/2025</a:t>
+              <a:t>8/5/2025</a:t>
             </a:fld>
             <a:endParaRPr lang="en-US"/>
           </a:p>
@@ -3604,7 +3643,7 @@
           <a:p>
             <a:fld id="{ED291B17-9318-49DB-B28B-6E5994AE9581}" type="datetime1">
               <a:rPr lang="en-US" smtClean="0"/>
-              <a:t>8/4/2025</a:t>
+              <a:t>8/5/2025</a:t>
             </a:fld>
             <a:endParaRPr lang="en-US"/>
           </a:p>
@@ -5079,7 +5118,12 @@
             <p:ph idx="1"/>
           </p:nvPr>
         </p:nvSpPr>
-        <p:spPr/>
+        <p:spPr>
+          <a:xfrm>
+            <a:off x="394380" y="1232452"/>
+            <a:ext cx="11029616" cy="2406240"/>
+          </a:xfrm>
+        </p:spPr>
         <p:txBody>
           <a:bodyPr>
             <a:normAutofit/>
@@ -5109,6 +5153,81 @@
                 <a:schemeClr val="tx1"/>
               </a:solidFill>
             </a:endParaRPr>
+          </a:p>
+        </p:txBody>
+      </p:sp>
+      <p:sp>
+        <p:nvSpPr>
+          <p:cNvPr id="5" name="TextBox 4">
+            <a:extLst>
+              <a:ext uri="{FF2B5EF4-FFF2-40B4-BE49-F238E27FC236}">
+                <a16:creationId xmlns:a16="http://schemas.microsoft.com/office/drawing/2014/main" id="{2E3C93A5-E341-4455-8D07-E15A41796AEC}"/>
+              </a:ext>
+            </a:extLst>
+          </p:cNvPr>
+          <p:cNvSpPr txBox="1"/>
+          <p:nvPr/>
+        </p:nvSpPr>
+        <p:spPr>
+          <a:xfrm>
+            <a:off x="581192" y="3817346"/>
+            <a:ext cx="6096000" cy="523220"/>
+          </a:xfrm>
+          <a:prstGeom prst="rect">
+            <a:avLst/>
+          </a:prstGeom>
+          <a:noFill/>
+        </p:spPr>
+        <p:txBody>
+          <a:bodyPr wrap="square">
+            <a:spAutoFit/>
+          </a:bodyPr>
+          <a:lstStyle/>
+          <a:p>
+            <a:r>
+              <a:rPr lang="en-IN" sz="2800" b="1" dirty="0">
+                <a:solidFill>
+                  <a:schemeClr val="accent1"/>
+                </a:solidFill>
+              </a:rPr>
+              <a:t>Demo Link</a:t>
+            </a:r>
+          </a:p>
+        </p:txBody>
+      </p:sp>
+      <p:sp>
+        <p:nvSpPr>
+          <p:cNvPr id="7" name="TextBox 6">
+            <a:hlinkClick r:id="rId3"/>
+            <a:extLst>
+              <a:ext uri="{FF2B5EF4-FFF2-40B4-BE49-F238E27FC236}">
+                <a16:creationId xmlns:a16="http://schemas.microsoft.com/office/drawing/2014/main" id="{042D9B54-82E9-1834-0303-9080F31FF495}"/>
+              </a:ext>
+            </a:extLst>
+          </p:cNvPr>
+          <p:cNvSpPr txBox="1"/>
+          <p:nvPr/>
+        </p:nvSpPr>
+        <p:spPr>
+          <a:xfrm>
+            <a:off x="581192" y="4484809"/>
+            <a:ext cx="11365002" cy="430887"/>
+          </a:xfrm>
+          <a:prstGeom prst="rect">
+            <a:avLst/>
+          </a:prstGeom>
+          <a:noFill/>
+        </p:spPr>
+        <p:txBody>
+          <a:bodyPr wrap="square">
+            <a:spAutoFit/>
+          </a:bodyPr>
+          <a:lstStyle/>
+          <a:p>
+            <a:r>
+              <a:rPr lang="en-IN" sz="2200" dirty="0"/>
+              <a:t>https://drive.google.com/file/d/1hzyJBzqd1pNdRWcPaWSHyY9s4p6pws__/view?usp=sharing</a:t>
+            </a:r>
           </a:p>
         </p:txBody>
       </p:sp>
@@ -7692,15 +7811,6 @@
 </file>
 
 <file path=customXml/item2.xml><?xml version="1.0" encoding="utf-8"?>
-<?mso-contentType ?>
-<FormTemplates xmlns="http://schemas.microsoft.com/sharepoint/v3/contenttype/forms">
-  <Display>DocumentLibraryForm</Display>
-  <Edit>DocumentLibraryForm</Edit>
-  <New>DocumentLibraryForm</New>
-</FormTemplates>
-</file>
-
-<file path=customXml/item3.xml><?xml version="1.0" encoding="utf-8"?>
 <ct:contentTypeSchema xmlns:ct="http://schemas.microsoft.com/office/2006/metadata/contentType" xmlns:ma="http://schemas.microsoft.com/office/2006/metadata/properties/metaAttributes" ct:_="" ma:_="" ma:contentTypeName="Document" ma:contentTypeID="0x0101007F0268AC5E70984D8FE60B7154176407" ma:contentTypeVersion="15" ma:contentTypeDescription="Create a new document." ma:contentTypeScope="" ma:versionID="104e359103f0f57b1cf9676756e5b944">
   <xsd:schema xmlns:xsd="http://www.w3.org/2001/XMLSchema" xmlns:xs="http://www.w3.org/2001/XMLSchema" xmlns:p="http://schemas.microsoft.com/office/2006/metadata/properties" xmlns:ns3="b30265f8-c5e2-4918-b4a1-b977299ca3e2" xmlns:ns4="fadb41d3-f9cb-40fb-903c-8cacaba95bb5" targetNamespace="http://schemas.microsoft.com/office/2006/metadata/properties" ma:root="true" ma:fieldsID="5615b8f8aa772998bad551f24a33de0e" ns3:_="" ns4:_="">
     <xsd:import namespace="b30265f8-c5e2-4918-b4a1-b977299ca3e2"/>
@@ -7933,6 +8043,15 @@
 </ct:contentTypeSchema>
 </file>
 
+<file path=customXml/item3.xml><?xml version="1.0" encoding="utf-8"?>
+<?mso-contentType ?>
+<FormTemplates xmlns="http://schemas.microsoft.com/sharepoint/v3/contenttype/forms">
+  <Display>DocumentLibraryForm</Display>
+  <Edit>DocumentLibraryForm</Edit>
+  <New>DocumentLibraryForm</New>
+</FormTemplates>
+</file>
+
 <file path=customXml/itemProps1.xml><?xml version="1.0" encoding="utf-8"?>
 <ds:datastoreItem xmlns:ds="http://schemas.openxmlformats.org/officeDocument/2006/customXml" ds:itemID="{8D289AE2-D2AE-49D1-AFAC-3A79F6794255}">
   <ds:schemaRefs>
@@ -7951,14 +8070,6 @@
 </file>
 
 <file path=customXml/itemProps2.xml><?xml version="1.0" encoding="utf-8"?>
-<ds:datastoreItem xmlns:ds="http://schemas.openxmlformats.org/officeDocument/2006/customXml" ds:itemID="{927BD4C1-B6B1-4715-ABF9-E660A51A4EA0}">
-  <ds:schemaRefs>
-    <ds:schemaRef ds:uri="http://schemas.microsoft.com/sharepoint/v3/contenttype/forms"/>
-  </ds:schemaRefs>
-</ds:datastoreItem>
-</file>
-
-<file path=customXml/itemProps3.xml><?xml version="1.0" encoding="utf-8"?>
 <ds:datastoreItem xmlns:ds="http://schemas.openxmlformats.org/officeDocument/2006/customXml" ds:itemID="{9DD71778-17EE-4151-88AE-C8F4E8043BD9}">
   <ds:schemaRefs>
     <ds:schemaRef ds:uri="http://schemas.microsoft.com/office/2006/metadata/contentType"/>
@@ -7975,4 +8086,12 @@
     <ds:schemaRef ds:uri="http://schemas.microsoft.com/internal/obd"/>
   </ds:schemaRefs>
 </ds:datastoreItem>
+</file>
+
+<file path=customXml/itemProps3.xml><?xml version="1.0" encoding="utf-8"?>
+<ds:datastoreItem xmlns:ds="http://schemas.openxmlformats.org/officeDocument/2006/customXml" ds:itemID="{927BD4C1-B6B1-4715-ABF9-E660A51A4EA0}">
+  <ds:schemaRefs>
+    <ds:schemaRef ds:uri="http://schemas.microsoft.com/sharepoint/v3/contenttype/forms"/>
+  </ds:schemaRefs>
+</ds:datastoreItem>
 </file>